--- a/presentation_part1.pptx
+++ b/presentation_part1.pptx
@@ -60,7 +60,7 @@
             </a:ln>
           </c:spPr>
           <c:marker>
-            <c:size val="7"/>
+            <c:size val="6"/>
           </c:marker>
           <c:dLbls>
             <c:showLegendKey val="0"/>
@@ -73,35 +73,11 @@
             <c:strRef>
               <c:f>categories</c:f>
               <c:strCache>
-                <c:ptCount val="10"/>
+                <c:ptCount val="2"/>
                 <c:pt idx="0">
-                  <c:v/>
+                  <c:v>10</c:v>
                 </c:pt>
                 <c:pt idx="1">
-                  <c:v/>
-                </c:pt>
-                <c:pt idx="2">
-                  <c:v/>
-                </c:pt>
-                <c:pt idx="3">
-                  <c:v/>
-                </c:pt>
-                <c:pt idx="4">
-                  <c:v/>
-                </c:pt>
-                <c:pt idx="5">
-                  <c:v/>
-                </c:pt>
-                <c:pt idx="6">
-                  <c:v/>
-                </c:pt>
-                <c:pt idx="7">
-                  <c:v/>
-                </c:pt>
-                <c:pt idx="8">
-                  <c:v>10</c:v>
-                </c:pt>
-                <c:pt idx="9">
                   <c:v>10</c:v>
                 </c:pt>
               </c:strCache>
@@ -173,7 +149,7 @@
             </a:ln>
           </c:spPr>
           <c:marker>
-            <c:size val="7"/>
+            <c:size val="6"/>
           </c:marker>
           <c:dLbls>
             <c:showLegendKey val="0"/>
@@ -186,35 +162,11 @@
             <c:strRef>
               <c:f>categories</c:f>
               <c:strCache>
-                <c:ptCount val="10"/>
+                <c:ptCount val="2"/>
                 <c:pt idx="0">
-                  <c:v/>
+                  <c:v>10</c:v>
                 </c:pt>
                 <c:pt idx="1">
-                  <c:v/>
-                </c:pt>
-                <c:pt idx="2">
-                  <c:v/>
-                </c:pt>
-                <c:pt idx="3">
-                  <c:v/>
-                </c:pt>
-                <c:pt idx="4">
-                  <c:v/>
-                </c:pt>
-                <c:pt idx="5">
-                  <c:v/>
-                </c:pt>
-                <c:pt idx="6">
-                  <c:v/>
-                </c:pt>
-                <c:pt idx="7">
-                  <c:v/>
-                </c:pt>
-                <c:pt idx="8">
-                  <c:v>10</c:v>
-                </c:pt>
-                <c:pt idx="9">
                   <c:v>10</c:v>
                 </c:pt>
               </c:strCache>
@@ -286,7 +238,7 @@
             </a:ln>
           </c:spPr>
           <c:marker>
-            <c:size val="7"/>
+            <c:size val="6"/>
           </c:marker>
           <c:dLbls>
             <c:showLegendKey val="0"/>
@@ -299,35 +251,11 @@
             <c:strRef>
               <c:f>categories</c:f>
               <c:strCache>
-                <c:ptCount val="10"/>
+                <c:ptCount val="2"/>
                 <c:pt idx="0">
-                  <c:v/>
+                  <c:v>10</c:v>
                 </c:pt>
                 <c:pt idx="1">
-                  <c:v/>
-                </c:pt>
-                <c:pt idx="2">
-                  <c:v/>
-                </c:pt>
-                <c:pt idx="3">
-                  <c:v/>
-                </c:pt>
-                <c:pt idx="4">
-                  <c:v/>
-                </c:pt>
-                <c:pt idx="5">
-                  <c:v/>
-                </c:pt>
-                <c:pt idx="6">
-                  <c:v/>
-                </c:pt>
-                <c:pt idx="7">
-                  <c:v/>
-                </c:pt>
-                <c:pt idx="8">
-                  <c:v>10</c:v>
-                </c:pt>
-                <c:pt idx="9">
                   <c:v>10</c:v>
                 </c:pt>
               </c:strCache>
@@ -374,11 +302,11 @@
           </c:val>
         </c:ser>
         <c:marker val="1"/>
-        <c:axId val="30531129"/>
-        <c:axId val="63180604"/>
+        <c:axId val="58257252"/>
+        <c:axId val="64846786"/>
       </c:lineChart>
       <c:catAx>
-        <c:axId val="30531129"/>
+        <c:axId val="58257252"/>
         <c:scaling>
           <c:orientation val="minMax"/>
         </c:scaling>
@@ -394,8 +322,12 @@
                   <a:defRPr/>
                 </a:pPr>
                 <a:r>
-                  <a:rPr sz="900">
+                  <a:rPr b="1" sz="900">
+                    <a:solidFill>
+                      <a:srgbClr val="000000"/>
+                    </a:solidFill>
                     <a:latin typeface="Arial"/>
+                    <a:ea typeface="DejaVu Sans"/>
                   </a:rPr>
                   <a:t>MB/s</a:t>
                 </a:r>
@@ -408,20 +340,21 @@
         <c:minorTickMark val="none"/>
         <c:tickLblPos val="nextTo"/>
         <c:spPr>
-          <a:ln>
+          <a:ln w="9360">
             <a:solidFill>
               <a:srgbClr val="b3b3b3"/>
             </a:solidFill>
+            <a:round/>
           </a:ln>
         </c:spPr>
-        <c:crossAx val="63180604"/>
-        <c:crossesAt val="0"/>
+        <c:crossAx val="64846786"/>
+        <c:crosses val="autoZero"/>
         <c:auto val="1"/>
         <c:lblAlgn val="ctr"/>
         <c:lblOffset val="100"/>
       </c:catAx>
       <c:valAx>
-        <c:axId val="63180604"/>
+        <c:axId val="64846786"/>
         <c:scaling>
           <c:orientation val="minMax"/>
         </c:scaling>
@@ -429,10 +362,11 @@
         <c:axPos val="l"/>
         <c:majorGridlines>
           <c:spPr>
-            <a:ln>
+            <a:ln w="9360">
               <a:solidFill>
                 <a:srgbClr val="b3b3b3"/>
               </a:solidFill>
+              <a:round/>
             </a:ln>
           </c:spPr>
         </c:majorGridlines>
@@ -446,8 +380,12 @@
                   <a:defRPr/>
                 </a:pPr>
                 <a:r>
-                  <a:rPr sz="900">
+                  <a:rPr b="1" sz="900">
+                    <a:solidFill>
+                      <a:srgbClr val="000000"/>
+                    </a:solidFill>
                     <a:latin typeface="Arial"/>
+                    <a:ea typeface="DejaVu Sans"/>
                   </a:rPr>
                   <a:t>s</a:t>
                 </a:r>
@@ -460,13 +398,14 @@
         <c:minorTickMark val="none"/>
         <c:tickLblPos val="nextTo"/>
         <c:spPr>
-          <a:ln>
+          <a:ln w="9360">
             <a:solidFill>
               <a:srgbClr val="b3b3b3"/>
             </a:solidFill>
+            <a:round/>
           </a:ln>
         </c:spPr>
-        <c:crossAx val="30531129"/>
+        <c:crossAx val="58257252"/>
         <c:crossesAt val="0"/>
       </c:valAx>
       <c:spPr>
@@ -515,8 +454,12 @@
               <a:defRPr/>
             </a:pPr>
             <a:r>
-              <a:rPr sz="1300">
+              <a:rPr b="1" sz="1300">
+                <a:solidFill>
+                  <a:srgbClr val="000000"/>
+                </a:solidFill>
                 <a:latin typeface="Arial"/>
+                <a:ea typeface="DejaVu Sans"/>
               </a:rPr>
               <a:t>Average Compression Speed</a:t>
             </a:r>
@@ -589,11 +532,11 @@
           </c:val>
         </c:ser>
         <c:gapWidth val="100"/>
-        <c:axId val="74955069"/>
-        <c:axId val="9540839"/>
+        <c:axId val="86076338"/>
+        <c:axId val="33791168"/>
       </c:barChart>
       <c:catAx>
-        <c:axId val="74955069"/>
+        <c:axId val="86076338"/>
         <c:scaling>
           <c:orientation val="minMax"/>
         </c:scaling>
@@ -603,20 +546,21 @@
         <c:minorTickMark val="none"/>
         <c:tickLblPos val="nextTo"/>
         <c:spPr>
-          <a:ln>
+          <a:ln w="9360">
             <a:solidFill>
               <a:srgbClr val="b3b3b3"/>
             </a:solidFill>
+            <a:round/>
           </a:ln>
         </c:spPr>
-        <c:crossAx val="9540839"/>
-        <c:crossesAt val="0"/>
+        <c:crossAx val="33791168"/>
+        <c:crosses val="autoZero"/>
         <c:auto val="1"/>
         <c:lblAlgn val="ctr"/>
         <c:lblOffset val="100"/>
       </c:catAx>
       <c:valAx>
-        <c:axId val="9540839"/>
+        <c:axId val="33791168"/>
         <c:scaling>
           <c:orientation val="minMax"/>
         </c:scaling>
@@ -624,10 +568,11 @@
         <c:axPos val="l"/>
         <c:majorGridlines>
           <c:spPr>
-            <a:ln>
+            <a:ln w="9360">
               <a:solidFill>
                 <a:srgbClr val="b3b3b3"/>
               </a:solidFill>
+              <a:round/>
             </a:ln>
           </c:spPr>
         </c:majorGridlines>
@@ -641,8 +586,12 @@
                   <a:defRPr/>
                 </a:pPr>
                 <a:r>
-                  <a:rPr sz="900">
+                  <a:rPr b="1" sz="900">
+                    <a:solidFill>
+                      <a:srgbClr val="000000"/>
+                    </a:solidFill>
                     <a:latin typeface="Arial"/>
+                    <a:ea typeface="DejaVu Sans"/>
                   </a:rPr>
                   <a:t>MB/s</a:t>
                 </a:r>
@@ -655,13 +604,14 @@
         <c:minorTickMark val="none"/>
         <c:tickLblPos val="nextTo"/>
         <c:spPr>
-          <a:ln>
+          <a:ln w="9360">
             <a:solidFill>
               <a:srgbClr val="b3b3b3"/>
             </a:solidFill>
+            <a:round/>
           </a:ln>
         </c:spPr>
-        <c:crossAx val="74955069"/>
+        <c:crossAx val="86076338"/>
         <c:crossesAt val="0"/>
       </c:valAx>
       <c:spPr>
@@ -710,8 +660,12 @@
               <a:defRPr/>
             </a:pPr>
             <a:r>
-              <a:rPr sz="1300">
+              <a:rPr b="1" sz="1300">
+                <a:solidFill>
+                  <a:srgbClr val="000000"/>
+                </a:solidFill>
                 <a:latin typeface="Arial"/>
+                <a:ea typeface="DejaVu Sans"/>
               </a:rPr>
               <a:t>Average Decompression Speed</a:t>
             </a:r>
@@ -784,11 +738,11 @@
           </c:val>
         </c:ser>
         <c:gapWidth val="100"/>
-        <c:axId val="32558624"/>
-        <c:axId val="46752121"/>
+        <c:axId val="54568357"/>
+        <c:axId val="84294852"/>
       </c:barChart>
       <c:catAx>
-        <c:axId val="32558624"/>
+        <c:axId val="54568357"/>
         <c:scaling>
           <c:orientation val="minMax"/>
         </c:scaling>
@@ -798,20 +752,21 @@
         <c:minorTickMark val="none"/>
         <c:tickLblPos val="nextTo"/>
         <c:spPr>
-          <a:ln>
+          <a:ln w="9360">
             <a:solidFill>
               <a:srgbClr val="b3b3b3"/>
             </a:solidFill>
+            <a:round/>
           </a:ln>
         </c:spPr>
-        <c:crossAx val="46752121"/>
-        <c:crossesAt val="0"/>
+        <c:crossAx val="84294852"/>
+        <c:crosses val="autoZero"/>
         <c:auto val="1"/>
         <c:lblAlgn val="ctr"/>
         <c:lblOffset val="100"/>
       </c:catAx>
       <c:valAx>
-        <c:axId val="46752121"/>
+        <c:axId val="84294852"/>
         <c:scaling>
           <c:orientation val="minMax"/>
         </c:scaling>
@@ -819,10 +774,11 @@
         <c:axPos val="l"/>
         <c:majorGridlines>
           <c:spPr>
-            <a:ln>
+            <a:ln w="9360">
               <a:solidFill>
                 <a:srgbClr val="b3b3b3"/>
               </a:solidFill>
+              <a:round/>
             </a:ln>
           </c:spPr>
         </c:majorGridlines>
@@ -836,8 +792,12 @@
                   <a:defRPr/>
                 </a:pPr>
                 <a:r>
-                  <a:rPr sz="900">
+                  <a:rPr b="1" sz="900">
+                    <a:solidFill>
+                      <a:srgbClr val="000000"/>
+                    </a:solidFill>
                     <a:latin typeface="Arial"/>
+                    <a:ea typeface="DejaVu Sans"/>
                   </a:rPr>
                   <a:t>MB/s</a:t>
                 </a:r>
@@ -850,13 +810,14 @@
         <c:minorTickMark val="none"/>
         <c:tickLblPos val="nextTo"/>
         <c:spPr>
-          <a:ln>
+          <a:ln w="9360">
             <a:solidFill>
               <a:srgbClr val="b3b3b3"/>
             </a:solidFill>
+            <a:round/>
           </a:ln>
         </c:spPr>
-        <c:crossAx val="32558624"/>
+        <c:crossAx val="54568357"/>
         <c:crossesAt val="0"/>
       </c:valAx>
       <c:spPr>
@@ -905,8 +866,12 @@
               <a:defRPr/>
             </a:pPr>
             <a:r>
-              <a:rPr sz="1300">
+              <a:rPr b="1" sz="1300">
+                <a:solidFill>
+                  <a:srgbClr val="000000"/>
+                </a:solidFill>
                 <a:latin typeface="Arial"/>
+                <a:ea typeface="DejaVu Sans"/>
               </a:rPr>
               <a:t>Average Ratio</a:t>
             </a:r>
@@ -979,11 +944,11 @@
           </c:val>
         </c:ser>
         <c:gapWidth val="100"/>
-        <c:axId val="3643907"/>
-        <c:axId val="20995499"/>
+        <c:axId val="52348004"/>
+        <c:axId val="9615164"/>
       </c:barChart>
       <c:catAx>
-        <c:axId val="3643907"/>
+        <c:axId val="52348004"/>
         <c:scaling>
           <c:orientation val="minMax"/>
         </c:scaling>
@@ -993,20 +958,21 @@
         <c:minorTickMark val="none"/>
         <c:tickLblPos val="nextTo"/>
         <c:spPr>
-          <a:ln>
+          <a:ln w="9360">
             <a:solidFill>
               <a:srgbClr val="b3b3b3"/>
             </a:solidFill>
+            <a:round/>
           </a:ln>
         </c:spPr>
-        <c:crossAx val="20995499"/>
-        <c:crossesAt val="0"/>
+        <c:crossAx val="9615164"/>
+        <c:crosses val="autoZero"/>
         <c:auto val="1"/>
         <c:lblAlgn val="ctr"/>
         <c:lblOffset val="100"/>
       </c:catAx>
       <c:valAx>
-        <c:axId val="20995499"/>
+        <c:axId val="9615164"/>
         <c:scaling>
           <c:orientation val="minMax"/>
         </c:scaling>
@@ -1014,10 +980,11 @@
         <c:axPos val="l"/>
         <c:majorGridlines>
           <c:spPr>
-            <a:ln>
+            <a:ln w="9360">
               <a:solidFill>
                 <a:srgbClr val="b3b3b3"/>
               </a:solidFill>
+              <a:round/>
             </a:ln>
           </c:spPr>
         </c:majorGridlines>
@@ -1025,13 +992,14 @@
         <c:minorTickMark val="none"/>
         <c:tickLblPos val="nextTo"/>
         <c:spPr>
-          <a:ln>
+          <a:ln w="9360">
             <a:solidFill>
               <a:srgbClr val="b3b3b3"/>
             </a:solidFill>
+            <a:round/>
           </a:ln>
         </c:spPr>
-        <c:crossAx val="3643907"/>
+        <c:crossAx val="52348004"/>
         <c:crossesAt val="0"/>
       </c:valAx>
       <c:spPr>
@@ -1070,8 +1038,12 @@
               <a:defRPr/>
             </a:pPr>
             <a:r>
-              <a:rPr sz="1300">
+              <a:rPr b="1" sz="1300">
+                <a:solidFill>
+                  <a:srgbClr val="000000"/>
+                </a:solidFill>
                 <a:latin typeface="Arial"/>
+                <a:ea typeface="DejaVu Sans"/>
               </a:rPr>
               <a:t>Static asset load</a:t>
             </a:r>
@@ -1202,11 +1174,11 @@
           </c:val>
         </c:ser>
         <c:gapWidth val="100"/>
-        <c:axId val="39934180"/>
-        <c:axId val="2613227"/>
+        <c:axId val="56144595"/>
+        <c:axId val="14762891"/>
       </c:barChart>
       <c:catAx>
-        <c:axId val="39934180"/>
+        <c:axId val="56144595"/>
         <c:scaling>
           <c:orientation val="minMax"/>
         </c:scaling>
@@ -1216,20 +1188,21 @@
         <c:minorTickMark val="none"/>
         <c:tickLblPos val="nextTo"/>
         <c:spPr>
-          <a:ln>
+          <a:ln w="9360">
             <a:solidFill>
               <a:srgbClr val="b3b3b3"/>
             </a:solidFill>
+            <a:round/>
           </a:ln>
         </c:spPr>
-        <c:crossAx val="2613227"/>
-        <c:crossesAt val="0"/>
+        <c:crossAx val="14762891"/>
+        <c:crosses val="autoZero"/>
         <c:auto val="1"/>
         <c:lblAlgn val="ctr"/>
         <c:lblOffset val="100"/>
       </c:catAx>
       <c:valAx>
-        <c:axId val="2613227"/>
+        <c:axId val="14762891"/>
         <c:scaling>
           <c:orientation val="minMax"/>
         </c:scaling>
@@ -1237,10 +1210,11 @@
         <c:axPos val="l"/>
         <c:majorGridlines>
           <c:spPr>
-            <a:ln>
+            <a:ln w="9360">
               <a:solidFill>
                 <a:srgbClr val="b3b3b3"/>
               </a:solidFill>
+              <a:round/>
             </a:ln>
           </c:spPr>
         </c:majorGridlines>
@@ -1254,8 +1228,12 @@
                   <a:defRPr/>
                 </a:pPr>
                 <a:r>
-                  <a:rPr sz="900">
+                  <a:rPr b="1" sz="900">
+                    <a:solidFill>
+                      <a:srgbClr val="000000"/>
+                    </a:solidFill>
                     <a:latin typeface="Arial"/>
+                    <a:ea typeface="DejaVu Sans"/>
                   </a:rPr>
                   <a:t>seconds</a:t>
                 </a:r>
@@ -1268,13 +1246,14 @@
         <c:minorTickMark val="none"/>
         <c:tickLblPos val="nextTo"/>
         <c:spPr>
-          <a:ln>
+          <a:ln w="9360">
             <a:solidFill>
               <a:srgbClr val="b3b3b3"/>
             </a:solidFill>
+            <a:round/>
           </a:ln>
         </c:spPr>
-        <c:crossAx val="39934180"/>
+        <c:crossAx val="56144595"/>
         <c:crossesAt val="0"/>
       </c:valAx>
       <c:spPr>
@@ -1360,8 +1339,8 @@
         </p:nvSpPr>
         <p:spPr>
           <a:xfrm>
-            <a:off x="952560" y="444600"/>
-            <a:ext cx="11099160" cy="2158920"/>
+            <a:off x="650160" y="389160"/>
+            <a:ext cx="11703600" cy="1628640"/>
           </a:xfrm>
           <a:prstGeom prst="rect">
             <a:avLst/>
@@ -1387,8 +1366,8 @@
         </p:nvSpPr>
         <p:spPr>
           <a:xfrm>
-            <a:off x="952560" y="2603520"/>
-            <a:ext cx="11099160" cy="2998080"/>
+            <a:off x="650160" y="2282040"/>
+            <a:ext cx="11703600" cy="2697840"/>
           </a:xfrm>
           <a:prstGeom prst="rect">
             <a:avLst/>
@@ -1413,8 +1392,8 @@
         </p:nvSpPr>
         <p:spPr>
           <a:xfrm>
-            <a:off x="952560" y="5886720"/>
-            <a:ext cx="11099160" cy="2998080"/>
+            <a:off x="650160" y="5236560"/>
+            <a:ext cx="11703600" cy="2697840"/>
           </a:xfrm>
           <a:prstGeom prst="rect">
             <a:avLst/>
@@ -1461,8 +1440,8 @@
         </p:nvSpPr>
         <p:spPr>
           <a:xfrm>
-            <a:off x="952560" y="444600"/>
-            <a:ext cx="11099160" cy="2158920"/>
+            <a:off x="650160" y="389160"/>
+            <a:ext cx="11703600" cy="1628640"/>
           </a:xfrm>
           <a:prstGeom prst="rect">
             <a:avLst/>
@@ -1488,8 +1467,8 @@
         </p:nvSpPr>
         <p:spPr>
           <a:xfrm>
-            <a:off x="952560" y="2603520"/>
-            <a:ext cx="5416200" cy="2998080"/>
+            <a:off x="650160" y="2282040"/>
+            <a:ext cx="5711040" cy="2697840"/>
           </a:xfrm>
           <a:prstGeom prst="rect">
             <a:avLst/>
@@ -1514,8 +1493,8 @@
         </p:nvSpPr>
         <p:spPr>
           <a:xfrm>
-            <a:off x="6639840" y="2603520"/>
-            <a:ext cx="5416200" cy="2998080"/>
+            <a:off x="6647040" y="2282040"/>
+            <a:ext cx="5711040" cy="2697840"/>
           </a:xfrm>
           <a:prstGeom prst="rect">
             <a:avLst/>
@@ -1540,8 +1519,8 @@
         </p:nvSpPr>
         <p:spPr>
           <a:xfrm>
-            <a:off x="6639840" y="5886720"/>
-            <a:ext cx="5416200" cy="2998080"/>
+            <a:off x="6647040" y="5236560"/>
+            <a:ext cx="5711040" cy="2697840"/>
           </a:xfrm>
           <a:prstGeom prst="rect">
             <a:avLst/>
@@ -1566,8 +1545,8 @@
         </p:nvSpPr>
         <p:spPr>
           <a:xfrm>
-            <a:off x="952560" y="5886720"/>
-            <a:ext cx="5416200" cy="2998080"/>
+            <a:off x="650160" y="5236560"/>
+            <a:ext cx="5711040" cy="2697840"/>
           </a:xfrm>
           <a:prstGeom prst="rect">
             <a:avLst/>
@@ -1614,8 +1593,8 @@
         </p:nvSpPr>
         <p:spPr>
           <a:xfrm>
-            <a:off x="952560" y="444600"/>
-            <a:ext cx="11099160" cy="2158920"/>
+            <a:off x="650160" y="389160"/>
+            <a:ext cx="11703600" cy="1628640"/>
           </a:xfrm>
           <a:prstGeom prst="rect">
             <a:avLst/>
@@ -1641,8 +1620,8 @@
         </p:nvSpPr>
         <p:spPr>
           <a:xfrm>
-            <a:off x="952560" y="2603520"/>
-            <a:ext cx="11099160" cy="6285960"/>
+            <a:off x="650160" y="2282040"/>
+            <a:ext cx="11703600" cy="5656320"/>
           </a:xfrm>
           <a:prstGeom prst="rect">
             <a:avLst/>
@@ -1667,8 +1646,8 @@
         </p:nvSpPr>
         <p:spPr>
           <a:xfrm>
-            <a:off x="952560" y="2603520"/>
-            <a:ext cx="11099160" cy="6285960"/>
+            <a:off x="650160" y="2282040"/>
+            <a:ext cx="11703600" cy="5656320"/>
           </a:xfrm>
           <a:prstGeom prst="rect">
             <a:avLst/>
@@ -1695,8 +1674,8 @@
         </p:blipFill>
         <p:spPr>
           <a:xfrm>
-            <a:off x="2562840" y="2603160"/>
-            <a:ext cx="7878240" cy="6285960"/>
+            <a:off x="2957400" y="2282040"/>
+            <a:ext cx="7089120" cy="5656320"/>
           </a:xfrm>
           <a:prstGeom prst="rect">
             <a:avLst/>
@@ -1720,8 +1699,8 @@
         </p:blipFill>
         <p:spPr>
           <a:xfrm>
-            <a:off x="2562840" y="2603160"/>
-            <a:ext cx="7878240" cy="6285960"/>
+            <a:off x="2957400" y="2282040"/>
+            <a:ext cx="7089120" cy="5656320"/>
           </a:xfrm>
           <a:prstGeom prst="rect">
             <a:avLst/>
@@ -1787,8 +1766,8 @@
         </p:nvSpPr>
         <p:spPr>
           <a:xfrm>
-            <a:off x="952560" y="444600"/>
-            <a:ext cx="11099160" cy="2158920"/>
+            <a:off x="650160" y="389160"/>
+            <a:ext cx="11703600" cy="1628640"/>
           </a:xfrm>
           <a:prstGeom prst="rect">
             <a:avLst/>
@@ -1814,8 +1793,8 @@
         </p:nvSpPr>
         <p:spPr>
           <a:xfrm>
-            <a:off x="952560" y="2603520"/>
-            <a:ext cx="11099160" cy="6286320"/>
+            <a:off x="650160" y="2282040"/>
+            <a:ext cx="11703600" cy="5656680"/>
           </a:xfrm>
           <a:prstGeom prst="rect">
             <a:avLst/>
@@ -1863,8 +1842,8 @@
         </p:nvSpPr>
         <p:spPr>
           <a:xfrm>
-            <a:off x="952560" y="444600"/>
-            <a:ext cx="11099160" cy="2158920"/>
+            <a:off x="650160" y="389160"/>
+            <a:ext cx="11703600" cy="1628640"/>
           </a:xfrm>
           <a:prstGeom prst="rect">
             <a:avLst/>
@@ -1890,8 +1869,8 @@
         </p:nvSpPr>
         <p:spPr>
           <a:xfrm>
-            <a:off x="952560" y="2603520"/>
-            <a:ext cx="11099160" cy="6285960"/>
+            <a:off x="650160" y="2282040"/>
+            <a:ext cx="11703600" cy="5656320"/>
           </a:xfrm>
           <a:prstGeom prst="rect">
             <a:avLst/>
@@ -1938,8 +1917,8 @@
         </p:nvSpPr>
         <p:spPr>
           <a:xfrm>
-            <a:off x="952560" y="444600"/>
-            <a:ext cx="11099160" cy="2158920"/>
+            <a:off x="650160" y="389160"/>
+            <a:ext cx="11703600" cy="1628640"/>
           </a:xfrm>
           <a:prstGeom prst="rect">
             <a:avLst/>
@@ -1965,8 +1944,8 @@
         </p:nvSpPr>
         <p:spPr>
           <a:xfrm>
-            <a:off x="952560" y="2603520"/>
-            <a:ext cx="5416200" cy="6285960"/>
+            <a:off x="650160" y="2282040"/>
+            <a:ext cx="5711040" cy="5656320"/>
           </a:xfrm>
           <a:prstGeom prst="rect">
             <a:avLst/>
@@ -1991,8 +1970,8 @@
         </p:nvSpPr>
         <p:spPr>
           <a:xfrm>
-            <a:off x="6639840" y="2603520"/>
-            <a:ext cx="5416200" cy="6285960"/>
+            <a:off x="6647040" y="2282040"/>
+            <a:ext cx="5711040" cy="5656320"/>
           </a:xfrm>
           <a:prstGeom prst="rect">
             <a:avLst/>
@@ -2039,8 +2018,8 @@
         </p:nvSpPr>
         <p:spPr>
           <a:xfrm>
-            <a:off x="952560" y="444600"/>
-            <a:ext cx="11099160" cy="2158920"/>
+            <a:off x="650160" y="389160"/>
+            <a:ext cx="11703600" cy="1628640"/>
           </a:xfrm>
           <a:prstGeom prst="rect">
             <a:avLst/>
@@ -2088,8 +2067,8 @@
         </p:nvSpPr>
         <p:spPr>
           <a:xfrm>
-            <a:off x="952560" y="444600"/>
-            <a:ext cx="11099160" cy="10007280"/>
+            <a:off x="650160" y="389160"/>
+            <a:ext cx="11703600" cy="7549560"/>
           </a:xfrm>
           <a:prstGeom prst="rect">
             <a:avLst/>
@@ -2137,8 +2116,8 @@
         </p:nvSpPr>
         <p:spPr>
           <a:xfrm>
-            <a:off x="952560" y="444600"/>
-            <a:ext cx="11099160" cy="2158920"/>
+            <a:off x="650160" y="389160"/>
+            <a:ext cx="11703600" cy="1628640"/>
           </a:xfrm>
           <a:prstGeom prst="rect">
             <a:avLst/>
@@ -2164,8 +2143,8 @@
         </p:nvSpPr>
         <p:spPr>
           <a:xfrm>
-            <a:off x="952560" y="2603520"/>
-            <a:ext cx="5416200" cy="2998080"/>
+            <a:off x="650160" y="2282040"/>
+            <a:ext cx="5711040" cy="2697840"/>
           </a:xfrm>
           <a:prstGeom prst="rect">
             <a:avLst/>
@@ -2190,8 +2169,8 @@
         </p:nvSpPr>
         <p:spPr>
           <a:xfrm>
-            <a:off x="952560" y="5886720"/>
-            <a:ext cx="5416200" cy="2998080"/>
+            <a:off x="650160" y="5236560"/>
+            <a:ext cx="5711040" cy="2697840"/>
           </a:xfrm>
           <a:prstGeom prst="rect">
             <a:avLst/>
@@ -2216,8 +2195,8 @@
         </p:nvSpPr>
         <p:spPr>
           <a:xfrm>
-            <a:off x="6639840" y="2603520"/>
-            <a:ext cx="5416200" cy="6285960"/>
+            <a:off x="6647040" y="2282040"/>
+            <a:ext cx="5711040" cy="5656320"/>
           </a:xfrm>
           <a:prstGeom prst="rect">
             <a:avLst/>
@@ -2264,8 +2243,8 @@
         </p:nvSpPr>
         <p:spPr>
           <a:xfrm>
-            <a:off x="952560" y="444600"/>
-            <a:ext cx="11099160" cy="2158920"/>
+            <a:off x="650160" y="389160"/>
+            <a:ext cx="11703600" cy="1628640"/>
           </a:xfrm>
           <a:prstGeom prst="rect">
             <a:avLst/>
@@ -2291,8 +2270,8 @@
         </p:nvSpPr>
         <p:spPr>
           <a:xfrm>
-            <a:off x="952560" y="2603520"/>
-            <a:ext cx="11099160" cy="6286320"/>
+            <a:off x="650160" y="2282040"/>
+            <a:ext cx="11703600" cy="5656680"/>
           </a:xfrm>
           <a:prstGeom prst="rect">
             <a:avLst/>
@@ -2340,8 +2319,8 @@
         </p:nvSpPr>
         <p:spPr>
           <a:xfrm>
-            <a:off x="952560" y="444600"/>
-            <a:ext cx="11099160" cy="2158920"/>
+            <a:off x="650160" y="389160"/>
+            <a:ext cx="11703600" cy="1628640"/>
           </a:xfrm>
           <a:prstGeom prst="rect">
             <a:avLst/>
@@ -2367,8 +2346,8 @@
         </p:nvSpPr>
         <p:spPr>
           <a:xfrm>
-            <a:off x="952560" y="2603520"/>
-            <a:ext cx="5416200" cy="6285960"/>
+            <a:off x="650160" y="2282040"/>
+            <a:ext cx="5711040" cy="5656320"/>
           </a:xfrm>
           <a:prstGeom prst="rect">
             <a:avLst/>
@@ -2393,8 +2372,8 @@
         </p:nvSpPr>
         <p:spPr>
           <a:xfrm>
-            <a:off x="6639840" y="2603520"/>
-            <a:ext cx="5416200" cy="2998080"/>
+            <a:off x="6647040" y="2282040"/>
+            <a:ext cx="5711040" cy="2697840"/>
           </a:xfrm>
           <a:prstGeom prst="rect">
             <a:avLst/>
@@ -2419,8 +2398,8 @@
         </p:nvSpPr>
         <p:spPr>
           <a:xfrm>
-            <a:off x="6639840" y="5886720"/>
-            <a:ext cx="5416200" cy="2998080"/>
+            <a:off x="6647040" y="5236560"/>
+            <a:ext cx="5711040" cy="2697840"/>
           </a:xfrm>
           <a:prstGeom prst="rect">
             <a:avLst/>
@@ -2467,8 +2446,8 @@
         </p:nvSpPr>
         <p:spPr>
           <a:xfrm>
-            <a:off x="952560" y="444600"/>
-            <a:ext cx="11099160" cy="2158920"/>
+            <a:off x="650160" y="389160"/>
+            <a:ext cx="11703600" cy="1628640"/>
           </a:xfrm>
           <a:prstGeom prst="rect">
             <a:avLst/>
@@ -2494,8 +2473,8 @@
         </p:nvSpPr>
         <p:spPr>
           <a:xfrm>
-            <a:off x="952560" y="2603520"/>
-            <a:ext cx="5416200" cy="2998080"/>
+            <a:off x="650160" y="2282040"/>
+            <a:ext cx="5711040" cy="2697840"/>
           </a:xfrm>
           <a:prstGeom prst="rect">
             <a:avLst/>
@@ -2520,8 +2499,8 @@
         </p:nvSpPr>
         <p:spPr>
           <a:xfrm>
-            <a:off x="6639840" y="2603520"/>
-            <a:ext cx="5416200" cy="2998080"/>
+            <a:off x="6647040" y="2282040"/>
+            <a:ext cx="5711040" cy="2697840"/>
           </a:xfrm>
           <a:prstGeom prst="rect">
             <a:avLst/>
@@ -2546,8 +2525,8 @@
         </p:nvSpPr>
         <p:spPr>
           <a:xfrm>
-            <a:off x="952560" y="5886720"/>
-            <a:ext cx="11099160" cy="2998080"/>
+            <a:off x="650160" y="5236560"/>
+            <a:ext cx="11703600" cy="2697840"/>
           </a:xfrm>
           <a:prstGeom prst="rect">
             <a:avLst/>
@@ -2594,8 +2573,8 @@
         </p:nvSpPr>
         <p:spPr>
           <a:xfrm>
-            <a:off x="952560" y="444600"/>
-            <a:ext cx="11099160" cy="2158920"/>
+            <a:off x="650160" y="389160"/>
+            <a:ext cx="11703600" cy="1628640"/>
           </a:xfrm>
           <a:prstGeom prst="rect">
             <a:avLst/>
@@ -2621,8 +2600,8 @@
         </p:nvSpPr>
         <p:spPr>
           <a:xfrm>
-            <a:off x="952560" y="2603520"/>
-            <a:ext cx="11099160" cy="2998080"/>
+            <a:off x="650160" y="2282040"/>
+            <a:ext cx="11703600" cy="2697840"/>
           </a:xfrm>
           <a:prstGeom prst="rect">
             <a:avLst/>
@@ -2647,8 +2626,8 @@
         </p:nvSpPr>
         <p:spPr>
           <a:xfrm>
-            <a:off x="952560" y="5886720"/>
-            <a:ext cx="11099160" cy="2998080"/>
+            <a:off x="650160" y="5236560"/>
+            <a:ext cx="11703600" cy="2697840"/>
           </a:xfrm>
           <a:prstGeom prst="rect">
             <a:avLst/>
@@ -2695,8 +2674,8 @@
         </p:nvSpPr>
         <p:spPr>
           <a:xfrm>
-            <a:off x="952560" y="444600"/>
-            <a:ext cx="11099160" cy="2158920"/>
+            <a:off x="650160" y="389160"/>
+            <a:ext cx="11703600" cy="1628640"/>
           </a:xfrm>
           <a:prstGeom prst="rect">
             <a:avLst/>
@@ -2722,8 +2701,8 @@
         </p:nvSpPr>
         <p:spPr>
           <a:xfrm>
-            <a:off x="952560" y="2603520"/>
-            <a:ext cx="5416200" cy="2998080"/>
+            <a:off x="650160" y="2282040"/>
+            <a:ext cx="5711040" cy="2697840"/>
           </a:xfrm>
           <a:prstGeom prst="rect">
             <a:avLst/>
@@ -2748,8 +2727,8 @@
         </p:nvSpPr>
         <p:spPr>
           <a:xfrm>
-            <a:off x="6639840" y="2603520"/>
-            <a:ext cx="5416200" cy="2998080"/>
+            <a:off x="6647040" y="2282040"/>
+            <a:ext cx="5711040" cy="2697840"/>
           </a:xfrm>
           <a:prstGeom prst="rect">
             <a:avLst/>
@@ -2774,8 +2753,8 @@
         </p:nvSpPr>
         <p:spPr>
           <a:xfrm>
-            <a:off x="6639840" y="5886720"/>
-            <a:ext cx="5416200" cy="2998080"/>
+            <a:off x="6647040" y="5236560"/>
+            <a:ext cx="5711040" cy="2697840"/>
           </a:xfrm>
           <a:prstGeom prst="rect">
             <a:avLst/>
@@ -2800,8 +2779,8 @@
         </p:nvSpPr>
         <p:spPr>
           <a:xfrm>
-            <a:off x="952560" y="5886720"/>
-            <a:ext cx="5416200" cy="2998080"/>
+            <a:off x="650160" y="5236560"/>
+            <a:ext cx="5711040" cy="2697840"/>
           </a:xfrm>
           <a:prstGeom prst="rect">
             <a:avLst/>
@@ -2848,8 +2827,8 @@
         </p:nvSpPr>
         <p:spPr>
           <a:xfrm>
-            <a:off x="952560" y="444600"/>
-            <a:ext cx="11099160" cy="2158920"/>
+            <a:off x="650160" y="389160"/>
+            <a:ext cx="11703600" cy="1628640"/>
           </a:xfrm>
           <a:prstGeom prst="rect">
             <a:avLst/>
@@ -2875,8 +2854,8 @@
         </p:nvSpPr>
         <p:spPr>
           <a:xfrm>
-            <a:off x="952560" y="2603520"/>
-            <a:ext cx="11099160" cy="6285960"/>
+            <a:off x="650160" y="2282040"/>
+            <a:ext cx="11703600" cy="5656320"/>
           </a:xfrm>
           <a:prstGeom prst="rect">
             <a:avLst/>
@@ -2901,8 +2880,8 @@
         </p:nvSpPr>
         <p:spPr>
           <a:xfrm>
-            <a:off x="952560" y="2603520"/>
-            <a:ext cx="11099160" cy="6285960"/>
+            <a:off x="650160" y="2282040"/>
+            <a:ext cx="11703600" cy="5656320"/>
           </a:xfrm>
           <a:prstGeom prst="rect">
             <a:avLst/>
@@ -2929,8 +2908,8 @@
         </p:blipFill>
         <p:spPr>
           <a:xfrm>
-            <a:off x="2562840" y="2603160"/>
-            <a:ext cx="7878240" cy="6285960"/>
+            <a:off x="2957400" y="2282040"/>
+            <a:ext cx="7089120" cy="5656320"/>
           </a:xfrm>
           <a:prstGeom prst="rect">
             <a:avLst/>
@@ -2954,8 +2933,8 @@
         </p:blipFill>
         <p:spPr>
           <a:xfrm>
-            <a:off x="2562840" y="2603160"/>
-            <a:ext cx="7878240" cy="6285960"/>
+            <a:off x="2957400" y="2282040"/>
+            <a:ext cx="7089120" cy="5656320"/>
           </a:xfrm>
           <a:prstGeom prst="rect">
             <a:avLst/>
@@ -3021,8 +3000,8 @@
         </p:nvSpPr>
         <p:spPr>
           <a:xfrm>
-            <a:off x="952560" y="444600"/>
-            <a:ext cx="11099160" cy="2158920"/>
+            <a:off x="650160" y="389160"/>
+            <a:ext cx="11703600" cy="1628640"/>
           </a:xfrm>
           <a:prstGeom prst="rect">
             <a:avLst/>
@@ -3048,8 +3027,8 @@
         </p:nvSpPr>
         <p:spPr>
           <a:xfrm>
-            <a:off x="952560" y="2603520"/>
-            <a:ext cx="11099160" cy="6286320"/>
+            <a:off x="650160" y="2282040"/>
+            <a:ext cx="11703600" cy="5656680"/>
           </a:xfrm>
           <a:prstGeom prst="rect">
             <a:avLst/>
@@ -3097,8 +3076,8 @@
         </p:nvSpPr>
         <p:spPr>
           <a:xfrm>
-            <a:off x="952560" y="444600"/>
-            <a:ext cx="11099160" cy="2158920"/>
+            <a:off x="650160" y="389160"/>
+            <a:ext cx="11703600" cy="1628640"/>
           </a:xfrm>
           <a:prstGeom prst="rect">
             <a:avLst/>
@@ -3124,8 +3103,8 @@
         </p:nvSpPr>
         <p:spPr>
           <a:xfrm>
-            <a:off x="952560" y="2603520"/>
-            <a:ext cx="11099160" cy="6285960"/>
+            <a:off x="650160" y="2282040"/>
+            <a:ext cx="11703600" cy="5656320"/>
           </a:xfrm>
           <a:prstGeom prst="rect">
             <a:avLst/>
@@ -3172,8 +3151,8 @@
         </p:nvSpPr>
         <p:spPr>
           <a:xfrm>
-            <a:off x="952560" y="444600"/>
-            <a:ext cx="11099160" cy="2158920"/>
+            <a:off x="650160" y="389160"/>
+            <a:ext cx="11703600" cy="1628640"/>
           </a:xfrm>
           <a:prstGeom prst="rect">
             <a:avLst/>
@@ -3199,8 +3178,8 @@
         </p:nvSpPr>
         <p:spPr>
           <a:xfrm>
-            <a:off x="952560" y="2603520"/>
-            <a:ext cx="5416200" cy="6285960"/>
+            <a:off x="650160" y="2282040"/>
+            <a:ext cx="5711040" cy="5656320"/>
           </a:xfrm>
           <a:prstGeom prst="rect">
             <a:avLst/>
@@ -3225,8 +3204,8 @@
         </p:nvSpPr>
         <p:spPr>
           <a:xfrm>
-            <a:off x="6639840" y="2603520"/>
-            <a:ext cx="5416200" cy="6285960"/>
+            <a:off x="6647040" y="2282040"/>
+            <a:ext cx="5711040" cy="5656320"/>
           </a:xfrm>
           <a:prstGeom prst="rect">
             <a:avLst/>
@@ -3273,8 +3252,8 @@
         </p:nvSpPr>
         <p:spPr>
           <a:xfrm>
-            <a:off x="952560" y="444600"/>
-            <a:ext cx="11099160" cy="2158920"/>
+            <a:off x="650160" y="389160"/>
+            <a:ext cx="11703600" cy="1628640"/>
           </a:xfrm>
           <a:prstGeom prst="rect">
             <a:avLst/>
@@ -3322,8 +3301,8 @@
         </p:nvSpPr>
         <p:spPr>
           <a:xfrm>
-            <a:off x="952560" y="444600"/>
-            <a:ext cx="11099160" cy="2158920"/>
+            <a:off x="650160" y="389160"/>
+            <a:ext cx="11703600" cy="1628640"/>
           </a:xfrm>
           <a:prstGeom prst="rect">
             <a:avLst/>
@@ -3349,8 +3328,8 @@
         </p:nvSpPr>
         <p:spPr>
           <a:xfrm>
-            <a:off x="952560" y="2603520"/>
-            <a:ext cx="11099160" cy="6285960"/>
+            <a:off x="650160" y="2282040"/>
+            <a:ext cx="11703600" cy="5656320"/>
           </a:xfrm>
           <a:prstGeom prst="rect">
             <a:avLst/>
@@ -3397,8 +3376,8 @@
         </p:nvSpPr>
         <p:spPr>
           <a:xfrm>
-            <a:off x="952560" y="444600"/>
-            <a:ext cx="11099160" cy="10007280"/>
+            <a:off x="650160" y="389160"/>
+            <a:ext cx="11703600" cy="7549560"/>
           </a:xfrm>
           <a:prstGeom prst="rect">
             <a:avLst/>
@@ -3446,8 +3425,8 @@
         </p:nvSpPr>
         <p:spPr>
           <a:xfrm>
-            <a:off x="952560" y="444600"/>
-            <a:ext cx="11099160" cy="2158920"/>
+            <a:off x="650160" y="389160"/>
+            <a:ext cx="11703600" cy="1628640"/>
           </a:xfrm>
           <a:prstGeom prst="rect">
             <a:avLst/>
@@ -3473,8 +3452,8 @@
         </p:nvSpPr>
         <p:spPr>
           <a:xfrm>
-            <a:off x="952560" y="2603520"/>
-            <a:ext cx="5416200" cy="2998080"/>
+            <a:off x="650160" y="2282040"/>
+            <a:ext cx="5711040" cy="2697840"/>
           </a:xfrm>
           <a:prstGeom prst="rect">
             <a:avLst/>
@@ -3499,8 +3478,8 @@
         </p:nvSpPr>
         <p:spPr>
           <a:xfrm>
-            <a:off x="952560" y="5886720"/>
-            <a:ext cx="5416200" cy="2998080"/>
+            <a:off x="650160" y="5236560"/>
+            <a:ext cx="5711040" cy="2697840"/>
           </a:xfrm>
           <a:prstGeom prst="rect">
             <a:avLst/>
@@ -3525,8 +3504,8 @@
         </p:nvSpPr>
         <p:spPr>
           <a:xfrm>
-            <a:off x="6639840" y="2603520"/>
-            <a:ext cx="5416200" cy="6285960"/>
+            <a:off x="6647040" y="2282040"/>
+            <a:ext cx="5711040" cy="5656320"/>
           </a:xfrm>
           <a:prstGeom prst="rect">
             <a:avLst/>
@@ -3573,8 +3552,8 @@
         </p:nvSpPr>
         <p:spPr>
           <a:xfrm>
-            <a:off x="952560" y="444600"/>
-            <a:ext cx="11099160" cy="2158920"/>
+            <a:off x="650160" y="389160"/>
+            <a:ext cx="11703600" cy="1628640"/>
           </a:xfrm>
           <a:prstGeom prst="rect">
             <a:avLst/>
@@ -3600,8 +3579,8 @@
         </p:nvSpPr>
         <p:spPr>
           <a:xfrm>
-            <a:off x="952560" y="2603520"/>
-            <a:ext cx="5416200" cy="6285960"/>
+            <a:off x="650160" y="2282040"/>
+            <a:ext cx="5711040" cy="5656320"/>
           </a:xfrm>
           <a:prstGeom prst="rect">
             <a:avLst/>
@@ -3626,8 +3605,8 @@
         </p:nvSpPr>
         <p:spPr>
           <a:xfrm>
-            <a:off x="6639840" y="2603520"/>
-            <a:ext cx="5416200" cy="2998080"/>
+            <a:off x="6647040" y="2282040"/>
+            <a:ext cx="5711040" cy="2697840"/>
           </a:xfrm>
           <a:prstGeom prst="rect">
             <a:avLst/>
@@ -3652,8 +3631,8 @@
         </p:nvSpPr>
         <p:spPr>
           <a:xfrm>
-            <a:off x="6639840" y="5886720"/>
-            <a:ext cx="5416200" cy="2998080"/>
+            <a:off x="6647040" y="5236560"/>
+            <a:ext cx="5711040" cy="2697840"/>
           </a:xfrm>
           <a:prstGeom prst="rect">
             <a:avLst/>
@@ -3700,8 +3679,8 @@
         </p:nvSpPr>
         <p:spPr>
           <a:xfrm>
-            <a:off x="952560" y="444600"/>
-            <a:ext cx="11099160" cy="2158920"/>
+            <a:off x="650160" y="389160"/>
+            <a:ext cx="11703600" cy="1628640"/>
           </a:xfrm>
           <a:prstGeom prst="rect">
             <a:avLst/>
@@ -3727,8 +3706,8 @@
         </p:nvSpPr>
         <p:spPr>
           <a:xfrm>
-            <a:off x="952560" y="2603520"/>
-            <a:ext cx="5416200" cy="2998080"/>
+            <a:off x="650160" y="2282040"/>
+            <a:ext cx="5711040" cy="2697840"/>
           </a:xfrm>
           <a:prstGeom prst="rect">
             <a:avLst/>
@@ -3753,8 +3732,8 @@
         </p:nvSpPr>
         <p:spPr>
           <a:xfrm>
-            <a:off x="6639840" y="2603520"/>
-            <a:ext cx="5416200" cy="2998080"/>
+            <a:off x="6647040" y="2282040"/>
+            <a:ext cx="5711040" cy="2697840"/>
           </a:xfrm>
           <a:prstGeom prst="rect">
             <a:avLst/>
@@ -3779,8 +3758,8 @@
         </p:nvSpPr>
         <p:spPr>
           <a:xfrm>
-            <a:off x="952560" y="5886720"/>
-            <a:ext cx="11099160" cy="2998080"/>
+            <a:off x="650160" y="5236560"/>
+            <a:ext cx="11703600" cy="2697840"/>
           </a:xfrm>
           <a:prstGeom prst="rect">
             <a:avLst/>
@@ -3827,8 +3806,8 @@
         </p:nvSpPr>
         <p:spPr>
           <a:xfrm>
-            <a:off x="952560" y="444600"/>
-            <a:ext cx="11099160" cy="2158920"/>
+            <a:off x="650160" y="389160"/>
+            <a:ext cx="11703600" cy="1628640"/>
           </a:xfrm>
           <a:prstGeom prst="rect">
             <a:avLst/>
@@ -3854,8 +3833,8 @@
         </p:nvSpPr>
         <p:spPr>
           <a:xfrm>
-            <a:off x="952560" y="2603520"/>
-            <a:ext cx="11099160" cy="2998080"/>
+            <a:off x="650160" y="2282040"/>
+            <a:ext cx="11703600" cy="2697840"/>
           </a:xfrm>
           <a:prstGeom prst="rect">
             <a:avLst/>
@@ -3880,8 +3859,8 @@
         </p:nvSpPr>
         <p:spPr>
           <a:xfrm>
-            <a:off x="952560" y="5886720"/>
-            <a:ext cx="11099160" cy="2998080"/>
+            <a:off x="650160" y="5236560"/>
+            <a:ext cx="11703600" cy="2697840"/>
           </a:xfrm>
           <a:prstGeom prst="rect">
             <a:avLst/>
@@ -3928,8 +3907,8 @@
         </p:nvSpPr>
         <p:spPr>
           <a:xfrm>
-            <a:off x="952560" y="444600"/>
-            <a:ext cx="11099160" cy="2158920"/>
+            <a:off x="650160" y="389160"/>
+            <a:ext cx="11703600" cy="1628640"/>
           </a:xfrm>
           <a:prstGeom prst="rect">
             <a:avLst/>
@@ -3955,8 +3934,8 @@
         </p:nvSpPr>
         <p:spPr>
           <a:xfrm>
-            <a:off x="952560" y="2603520"/>
-            <a:ext cx="5416200" cy="2998080"/>
+            <a:off x="650160" y="2282040"/>
+            <a:ext cx="5711040" cy="2697840"/>
           </a:xfrm>
           <a:prstGeom prst="rect">
             <a:avLst/>
@@ -3981,8 +3960,8 @@
         </p:nvSpPr>
         <p:spPr>
           <a:xfrm>
-            <a:off x="6639840" y="2603520"/>
-            <a:ext cx="5416200" cy="2998080"/>
+            <a:off x="6647040" y="2282040"/>
+            <a:ext cx="5711040" cy="2697840"/>
           </a:xfrm>
           <a:prstGeom prst="rect">
             <a:avLst/>
@@ -4007,8 +3986,8 @@
         </p:nvSpPr>
         <p:spPr>
           <a:xfrm>
-            <a:off x="6639840" y="5886720"/>
-            <a:ext cx="5416200" cy="2998080"/>
+            <a:off x="6647040" y="5236560"/>
+            <a:ext cx="5711040" cy="2697840"/>
           </a:xfrm>
           <a:prstGeom prst="rect">
             <a:avLst/>
@@ -4033,8 +4012,8 @@
         </p:nvSpPr>
         <p:spPr>
           <a:xfrm>
-            <a:off x="952560" y="5886720"/>
-            <a:ext cx="5416200" cy="2998080"/>
+            <a:off x="650160" y="5236560"/>
+            <a:ext cx="5711040" cy="2697840"/>
           </a:xfrm>
           <a:prstGeom prst="rect">
             <a:avLst/>
@@ -4081,8 +4060,8 @@
         </p:nvSpPr>
         <p:spPr>
           <a:xfrm>
-            <a:off x="952560" y="444600"/>
-            <a:ext cx="11099160" cy="2158920"/>
+            <a:off x="650160" y="389160"/>
+            <a:ext cx="11703600" cy="1628640"/>
           </a:xfrm>
           <a:prstGeom prst="rect">
             <a:avLst/>
@@ -4108,8 +4087,8 @@
         </p:nvSpPr>
         <p:spPr>
           <a:xfrm>
-            <a:off x="952560" y="2603520"/>
-            <a:ext cx="11099160" cy="6285960"/>
+            <a:off x="650160" y="2282040"/>
+            <a:ext cx="11703600" cy="5656320"/>
           </a:xfrm>
           <a:prstGeom prst="rect">
             <a:avLst/>
@@ -4134,8 +4113,8 @@
         </p:nvSpPr>
         <p:spPr>
           <a:xfrm>
-            <a:off x="952560" y="2603520"/>
-            <a:ext cx="11099160" cy="6285960"/>
+            <a:off x="650160" y="2282040"/>
+            <a:ext cx="11703600" cy="5656320"/>
           </a:xfrm>
           <a:prstGeom prst="rect">
             <a:avLst/>
@@ -4162,8 +4141,8 @@
         </p:blipFill>
         <p:spPr>
           <a:xfrm>
-            <a:off x="2562840" y="2603160"/>
-            <a:ext cx="7878240" cy="6285960"/>
+            <a:off x="2957400" y="2282040"/>
+            <a:ext cx="7089120" cy="5656320"/>
           </a:xfrm>
           <a:prstGeom prst="rect">
             <a:avLst/>
@@ -4187,8 +4166,8 @@
         </p:blipFill>
         <p:spPr>
           <a:xfrm>
-            <a:off x="2562840" y="2603160"/>
-            <a:ext cx="7878240" cy="6285960"/>
+            <a:off x="2957400" y="2282040"/>
+            <a:ext cx="7089120" cy="5656320"/>
           </a:xfrm>
           <a:prstGeom prst="rect">
             <a:avLst/>
@@ -4232,8 +4211,8 @@
         </p:nvSpPr>
         <p:spPr>
           <a:xfrm>
-            <a:off x="952560" y="444600"/>
-            <a:ext cx="11099160" cy="2158920"/>
+            <a:off x="650160" y="389160"/>
+            <a:ext cx="11703600" cy="1628640"/>
           </a:xfrm>
           <a:prstGeom prst="rect">
             <a:avLst/>
@@ -4259,8 +4238,8 @@
         </p:nvSpPr>
         <p:spPr>
           <a:xfrm>
-            <a:off x="952560" y="2603520"/>
-            <a:ext cx="5416200" cy="6285960"/>
+            <a:off x="650160" y="2282040"/>
+            <a:ext cx="5711040" cy="5656320"/>
           </a:xfrm>
           <a:prstGeom prst="rect">
             <a:avLst/>
@@ -4285,8 +4264,8 @@
         </p:nvSpPr>
         <p:spPr>
           <a:xfrm>
-            <a:off x="6639840" y="2603520"/>
-            <a:ext cx="5416200" cy="6285960"/>
+            <a:off x="6647040" y="2282040"/>
+            <a:ext cx="5711040" cy="5656320"/>
           </a:xfrm>
           <a:prstGeom prst="rect">
             <a:avLst/>
@@ -4333,8 +4312,8 @@
         </p:nvSpPr>
         <p:spPr>
           <a:xfrm>
-            <a:off x="952560" y="444600"/>
-            <a:ext cx="11099160" cy="2158920"/>
+            <a:off x="650160" y="389160"/>
+            <a:ext cx="11703600" cy="1628640"/>
           </a:xfrm>
           <a:prstGeom prst="rect">
             <a:avLst/>
@@ -4382,8 +4361,8 @@
         </p:nvSpPr>
         <p:spPr>
           <a:xfrm>
-            <a:off x="952560" y="444600"/>
-            <a:ext cx="11099160" cy="10007280"/>
+            <a:off x="650160" y="389160"/>
+            <a:ext cx="11703600" cy="7549560"/>
           </a:xfrm>
           <a:prstGeom prst="rect">
             <a:avLst/>
@@ -4431,8 +4410,8 @@
         </p:nvSpPr>
         <p:spPr>
           <a:xfrm>
-            <a:off x="952560" y="444600"/>
-            <a:ext cx="11099160" cy="2158920"/>
+            <a:off x="650160" y="389160"/>
+            <a:ext cx="11703600" cy="1628640"/>
           </a:xfrm>
           <a:prstGeom prst="rect">
             <a:avLst/>
@@ -4458,8 +4437,8 @@
         </p:nvSpPr>
         <p:spPr>
           <a:xfrm>
-            <a:off x="952560" y="2603520"/>
-            <a:ext cx="5416200" cy="2998080"/>
+            <a:off x="650160" y="2282040"/>
+            <a:ext cx="5711040" cy="2697840"/>
           </a:xfrm>
           <a:prstGeom prst="rect">
             <a:avLst/>
@@ -4484,8 +4463,8 @@
         </p:nvSpPr>
         <p:spPr>
           <a:xfrm>
-            <a:off x="952560" y="5886720"/>
-            <a:ext cx="5416200" cy="2998080"/>
+            <a:off x="650160" y="5236560"/>
+            <a:ext cx="5711040" cy="2697840"/>
           </a:xfrm>
           <a:prstGeom prst="rect">
             <a:avLst/>
@@ -4510,8 +4489,8 @@
         </p:nvSpPr>
         <p:spPr>
           <a:xfrm>
-            <a:off x="6639840" y="2603520"/>
-            <a:ext cx="5416200" cy="6285960"/>
+            <a:off x="6647040" y="2282040"/>
+            <a:ext cx="5711040" cy="5656320"/>
           </a:xfrm>
           <a:prstGeom prst="rect">
             <a:avLst/>
@@ -4558,8 +4537,8 @@
         </p:nvSpPr>
         <p:spPr>
           <a:xfrm>
-            <a:off x="952560" y="444600"/>
-            <a:ext cx="11099160" cy="2158920"/>
+            <a:off x="650160" y="389160"/>
+            <a:ext cx="11703600" cy="1628640"/>
           </a:xfrm>
           <a:prstGeom prst="rect">
             <a:avLst/>
@@ -4585,8 +4564,8 @@
         </p:nvSpPr>
         <p:spPr>
           <a:xfrm>
-            <a:off x="952560" y="2603520"/>
-            <a:ext cx="5416200" cy="6285960"/>
+            <a:off x="650160" y="2282040"/>
+            <a:ext cx="5711040" cy="5656320"/>
           </a:xfrm>
           <a:prstGeom prst="rect">
             <a:avLst/>
@@ -4611,8 +4590,8 @@
         </p:nvSpPr>
         <p:spPr>
           <a:xfrm>
-            <a:off x="6639840" y="2603520"/>
-            <a:ext cx="5416200" cy="2998080"/>
+            <a:off x="6647040" y="2282040"/>
+            <a:ext cx="5711040" cy="2697840"/>
           </a:xfrm>
           <a:prstGeom prst="rect">
             <a:avLst/>
@@ -4637,8 +4616,8 @@
         </p:nvSpPr>
         <p:spPr>
           <a:xfrm>
-            <a:off x="6639840" y="5886720"/>
-            <a:ext cx="5416200" cy="2998080"/>
+            <a:off x="6647040" y="5236560"/>
+            <a:ext cx="5711040" cy="2697840"/>
           </a:xfrm>
           <a:prstGeom prst="rect">
             <a:avLst/>
@@ -4685,8 +4664,8 @@
         </p:nvSpPr>
         <p:spPr>
           <a:xfrm>
-            <a:off x="952560" y="444600"/>
-            <a:ext cx="11099160" cy="2158920"/>
+            <a:off x="650160" y="389160"/>
+            <a:ext cx="11703600" cy="1628640"/>
           </a:xfrm>
           <a:prstGeom prst="rect">
             <a:avLst/>
@@ -4712,8 +4691,8 @@
         </p:nvSpPr>
         <p:spPr>
           <a:xfrm>
-            <a:off x="952560" y="2603520"/>
-            <a:ext cx="5416200" cy="2998080"/>
+            <a:off x="650160" y="2282040"/>
+            <a:ext cx="5711040" cy="2697840"/>
           </a:xfrm>
           <a:prstGeom prst="rect">
             <a:avLst/>
@@ -4738,8 +4717,8 @@
         </p:nvSpPr>
         <p:spPr>
           <a:xfrm>
-            <a:off x="6639840" y="2603520"/>
-            <a:ext cx="5416200" cy="2998080"/>
+            <a:off x="6647040" y="2282040"/>
+            <a:ext cx="5711040" cy="2697840"/>
           </a:xfrm>
           <a:prstGeom prst="rect">
             <a:avLst/>
@@ -4764,8 +4743,8 @@
         </p:nvSpPr>
         <p:spPr>
           <a:xfrm>
-            <a:off x="952560" y="5886720"/>
-            <a:ext cx="11099160" cy="2998080"/>
+            <a:off x="650160" y="5236560"/>
+            <a:ext cx="11703600" cy="2697840"/>
           </a:xfrm>
           <a:prstGeom prst="rect">
             <a:avLst/>
@@ -4819,8 +4798,8 @@
         </p:nvSpPr>
         <p:spPr>
           <a:xfrm>
-            <a:off x="952560" y="444600"/>
-            <a:ext cx="11099160" cy="2158560"/>
+            <a:off x="650160" y="389160"/>
+            <a:ext cx="11703600" cy="1628280"/>
           </a:xfrm>
           <a:prstGeom prst="rect">
             <a:avLst/>
@@ -4829,8 +4808,9 @@
         <p:txBody>
           <a:bodyPr lIns="0" rIns="0" tIns="0" bIns="0" anchor="ctr"/>
           <a:p>
+            <a:pPr algn="ctr"/>
             <a:r>
-              <a:rPr lang="en-US">
+              <a:rPr lang="en-US" sz="4400">
                 <a:latin typeface="Arial"/>
               </a:rPr>
               <a:t>Click to edit the title text format</a:t>
@@ -4851,8 +4831,8 @@
         </p:nvSpPr>
         <p:spPr>
           <a:xfrm>
-            <a:off x="952560" y="2603520"/>
-            <a:ext cx="11099160" cy="6285960"/>
+            <a:off x="650160" y="2282040"/>
+            <a:ext cx="11703600" cy="5656320"/>
           </a:xfrm>
           <a:prstGeom prst="rect">
             <a:avLst/>
@@ -4867,7 +4847,7 @@
               <a:buChar char=""/>
             </a:pPr>
             <a:r>
-              <a:rPr lang="en-US">
+              <a:rPr lang="en-US" sz="3200">
                 <a:latin typeface="Arial"/>
               </a:rPr>
               <a:t>Click to edit the outline text format</a:t>
@@ -4881,7 +4861,7 @@
               <a:buChar char=""/>
             </a:pPr>
             <a:r>
-              <a:rPr lang="en-US">
+              <a:rPr lang="en-US" sz="2800">
                 <a:latin typeface="Arial"/>
               </a:rPr>
               <a:t>Second Outline Level</a:t>
@@ -4895,7 +4875,7 @@
               <a:buChar char=""/>
             </a:pPr>
             <a:r>
-              <a:rPr lang="en-US">
+              <a:rPr lang="en-US" sz="2400">
                 <a:latin typeface="Arial"/>
               </a:rPr>
               <a:t>Third Outline Level</a:t>
@@ -4909,7 +4889,7 @@
               <a:buChar char=""/>
             </a:pPr>
             <a:r>
-              <a:rPr lang="en-US">
+              <a:rPr lang="en-US" sz="2000">
                 <a:latin typeface="Arial"/>
               </a:rPr>
               <a:t>Fourth Outline Level</a:t>
@@ -4923,7 +4903,7 @@
               <a:buChar char=""/>
             </a:pPr>
             <a:r>
-              <a:rPr lang="en-US">
+              <a:rPr lang="en-US" sz="2000">
                 <a:latin typeface="Arial"/>
               </a:rPr>
               <a:t>Fifth Outline Level</a:t>
@@ -4937,7 +4917,7 @@
               <a:buChar char=""/>
             </a:pPr>
             <a:r>
-              <a:rPr lang="en-US">
+              <a:rPr lang="en-US" sz="2000">
                 <a:latin typeface="Arial"/>
               </a:rPr>
               <a:t>Sixth Outline Level</a:t>
@@ -4951,7 +4931,7 @@
               <a:buChar char=""/>
             </a:pPr>
             <a:r>
-              <a:rPr lang="en-US">
+              <a:rPr lang="en-US" sz="2000">
                 <a:latin typeface="Arial"/>
               </a:rPr>
               <a:t>Seventh Outline Level</a:t>
@@ -5016,8 +4996,8 @@
         </p:nvSpPr>
         <p:spPr>
           <a:xfrm>
-            <a:off x="952560" y="444600"/>
-            <a:ext cx="11099160" cy="2158560"/>
+            <a:off x="650160" y="389160"/>
+            <a:ext cx="11703600" cy="1628280"/>
           </a:xfrm>
           <a:prstGeom prst="rect">
             <a:avLst/>
@@ -5026,8 +5006,9 @@
         <p:txBody>
           <a:bodyPr lIns="0" rIns="0" tIns="0" bIns="0" anchor="ctr"/>
           <a:p>
+            <a:pPr algn="ctr"/>
             <a:r>
-              <a:rPr lang="en-US">
+              <a:rPr lang="en-US" sz="4400">
                 <a:latin typeface="Arial"/>
               </a:rPr>
               <a:t>Click to edit the title text format</a:t>
@@ -5048,15 +5029,15 @@
         </p:nvSpPr>
         <p:spPr>
           <a:xfrm>
-            <a:off x="952560" y="2603520"/>
-            <a:ext cx="11099160" cy="6285960"/>
-          </a:xfrm>
-          <a:prstGeom prst="rect">
-            <a:avLst/>
-          </a:prstGeom>
-        </p:spPr>
-        <p:txBody>
-          <a:bodyPr lIns="0" rIns="0" tIns="0" bIns="0" anchor="ctr"/>
+            <a:off x="650160" y="2282040"/>
+            <a:ext cx="11703600" cy="5656320"/>
+          </a:xfrm>
+          <a:prstGeom prst="rect">
+            <a:avLst/>
+          </a:prstGeom>
+        </p:spPr>
+        <p:txBody>
+          <a:bodyPr lIns="0" rIns="0" tIns="0" bIns="0"/>
           <a:p>
             <a:pPr>
               <a:buSzPct val="45000"/>
@@ -5064,7 +5045,7 @@
               <a:buChar char=""/>
             </a:pPr>
             <a:r>
-              <a:rPr lang="en-US">
+              <a:rPr lang="en-US" sz="3200">
                 <a:latin typeface="Arial"/>
               </a:rPr>
               <a:t>Click to edit the outline text format</a:t>
@@ -5078,7 +5059,7 @@
               <a:buChar char=""/>
             </a:pPr>
             <a:r>
-              <a:rPr lang="en-US">
+              <a:rPr lang="en-US" sz="2800">
                 <a:latin typeface="Arial"/>
               </a:rPr>
               <a:t>Second Outline Level</a:t>
@@ -5092,7 +5073,7 @@
               <a:buChar char=""/>
             </a:pPr>
             <a:r>
-              <a:rPr lang="en-US">
+              <a:rPr lang="en-US" sz="2400">
                 <a:latin typeface="Arial"/>
               </a:rPr>
               <a:t>Third Outline Level</a:t>
@@ -5106,7 +5087,7 @@
               <a:buChar char=""/>
             </a:pPr>
             <a:r>
-              <a:rPr lang="en-US">
+              <a:rPr lang="en-US" sz="2000">
                 <a:latin typeface="Arial"/>
               </a:rPr>
               <a:t>Fourth Outline Level</a:t>
@@ -5120,7 +5101,7 @@
               <a:buChar char=""/>
             </a:pPr>
             <a:r>
-              <a:rPr lang="en-US">
+              <a:rPr lang="en-US" sz="2000">
                 <a:latin typeface="Arial"/>
               </a:rPr>
               <a:t>Fifth Outline Level</a:t>
@@ -5134,7 +5115,7 @@
               <a:buChar char=""/>
             </a:pPr>
             <a:r>
-              <a:rPr lang="en-US">
+              <a:rPr lang="en-US" sz="2000">
                 <a:latin typeface="Arial"/>
               </a:rPr>
               <a:t>Sixth Outline Level</a:t>
@@ -5148,7 +5129,7 @@
               <a:buChar char=""/>
             </a:pPr>
             <a:r>
-              <a:rPr lang="en-US">
+              <a:rPr lang="en-US" sz="2000">
                 <a:latin typeface="Arial"/>
               </a:rPr>
               <a:t>Seventh Outline Level</a:t>
@@ -5214,7 +5195,7 @@
         <p:spPr>
           <a:xfrm>
             <a:off x="952560" y="444600"/>
-            <a:ext cx="11099160" cy="2158560"/>
+            <a:ext cx="11098800" cy="2158560"/>
           </a:xfrm>
           <a:prstGeom prst="rect">
             <a:avLst/>
@@ -5246,7 +5227,7 @@
         <p:spPr>
           <a:xfrm>
             <a:off x="952560" y="2603520"/>
-            <a:ext cx="11099160" cy="6285960"/>
+            <a:ext cx="11098800" cy="6285600"/>
           </a:xfrm>
           <a:prstGeom prst="rect">
             <a:avLst/>
@@ -5400,7 +5381,7 @@
         <p:spPr>
           <a:xfrm>
             <a:off x="1270080" y="1638360"/>
-            <a:ext cx="10464120" cy="3301200"/>
+            <a:ext cx="10463760" cy="3300840"/>
           </a:xfrm>
           <a:prstGeom prst="rect">
             <a:avLst/>
@@ -5438,7 +5419,7 @@
         <p:spPr>
           <a:xfrm>
             <a:off x="1270080" y="5029200"/>
-            <a:ext cx="10464120" cy="1129680"/>
+            <a:ext cx="10463760" cy="1129320"/>
           </a:xfrm>
           <a:prstGeom prst="rect">
             <a:avLst/>
@@ -5525,23 +5506,31 @@
       </p:grpSpPr>
       <p:sp>
         <p:nvSpPr>
-          <p:cNvPr id="127" name="TextShape 1"/>
-          <p:cNvSpPr txBox="1"/>
+          <p:cNvPr id="127" name="CustomShape 1"/>
+          <p:cNvSpPr/>
           <p:nvPr/>
         </p:nvSpPr>
         <p:spPr>
           <a:xfrm>
             <a:off x="952560" y="444600"/>
-            <a:ext cx="11099160" cy="2158560"/>
-          </a:xfrm>
-          <a:prstGeom prst="rect">
-            <a:avLst/>
-          </a:prstGeom>
+            <a:ext cx="11098800" cy="2158200"/>
+          </a:xfrm>
+          <a:prstGeom prst="rect">
+            <a:avLst/>
+          </a:prstGeom>
+          <a:noFill/>
+          <a:ln>
+            <a:noFill/>
+          </a:ln>
         </p:spPr>
         <p:txBody>
           <a:bodyPr lIns="0" rIns="0" tIns="0" bIns="0" anchor="ctr"/>
           <a:p>
-            <a:pPr algn="ctr"/>
+            <a:pPr algn="ctr">
+              <a:lnSpc>
+                <a:spcPct val="100000"/>
+              </a:lnSpc>
+            </a:pPr>
             <a:r>
               <a:rPr lang="en-US" sz="4400">
                 <a:latin typeface="Arial"/>
@@ -5554,26 +5543,33 @@
       </p:sp>
       <p:sp>
         <p:nvSpPr>
-          <p:cNvPr id="128" name="TextShape 2"/>
-          <p:cNvSpPr txBox="1"/>
+          <p:cNvPr id="128" name="CustomShape 2"/>
+          <p:cNvSpPr/>
           <p:nvPr/>
         </p:nvSpPr>
         <p:spPr>
           <a:xfrm>
             <a:off x="952560" y="2603520"/>
-            <a:ext cx="11099160" cy="6285960"/>
-          </a:xfrm>
-          <a:prstGeom prst="rect">
-            <a:avLst/>
-          </a:prstGeom>
+            <a:ext cx="11098800" cy="6285600"/>
+          </a:xfrm>
+          <a:prstGeom prst="rect">
+            <a:avLst/>
+          </a:prstGeom>
+          <a:noFill/>
+          <a:ln>
+            <a:noFill/>
+          </a:ln>
         </p:spPr>
         <p:txBody>
           <a:bodyPr lIns="0" rIns="0" tIns="0" bIns="0"/>
           <a:p>
             <a:pPr>
+              <a:lnSpc>
+                <a:spcPct val="100000"/>
+              </a:lnSpc>
               <a:buSzPct val="45000"/>
               <a:buFont typeface="StarSymbol"/>
-              <a:buChar char=""/>
+              <a:buChar char="l"/>
             </a:pPr>
             <a:r>
               <a:rPr lang="en-US" sz="3200">
@@ -5585,9 +5581,12 @@
           </a:p>
           <a:p>
             <a:pPr lvl="1">
+              <a:lnSpc>
+                <a:spcPct val="100000"/>
+              </a:lnSpc>
               <a:buSzPct val="75000"/>
               <a:buFont typeface="StarSymbol"/>
-              <a:buChar char=""/>
+              <a:buChar char="l"/>
             </a:pPr>
             <a:r>
               <a:rPr lang="en-US" sz="2800">
@@ -5599,9 +5598,12 @@
           </a:p>
           <a:p>
             <a:pPr lvl="1">
+              <a:lnSpc>
+                <a:spcPct val="100000"/>
+              </a:lnSpc>
               <a:buSzPct val="75000"/>
               <a:buFont typeface="StarSymbol"/>
-              <a:buChar char=""/>
+              <a:buChar char="l"/>
             </a:pPr>
             <a:r>
               <a:rPr lang="en-US" sz="2800">
@@ -5613,9 +5615,12 @@
           </a:p>
           <a:p>
             <a:pPr>
+              <a:lnSpc>
+                <a:spcPct val="100000"/>
+              </a:lnSpc>
               <a:buSzPct val="45000"/>
               <a:buFont typeface="StarSymbol"/>
-              <a:buChar char=""/>
+              <a:buChar char="l"/>
             </a:pPr>
             <a:r>
               <a:rPr lang="en-US" sz="3200">
@@ -5627,9 +5632,12 @@
           </a:p>
           <a:p>
             <a:pPr lvl="1">
+              <a:lnSpc>
+                <a:spcPct val="100000"/>
+              </a:lnSpc>
               <a:buSzPct val="75000"/>
               <a:buFont typeface="StarSymbol"/>
-              <a:buChar char=""/>
+              <a:buChar char="l"/>
             </a:pPr>
             <a:r>
               <a:rPr lang="en-US" sz="2800">
@@ -5641,9 +5649,12 @@
           </a:p>
           <a:p>
             <a:pPr>
+              <a:lnSpc>
+                <a:spcPct val="100000"/>
+              </a:lnSpc>
               <a:buSzPct val="45000"/>
               <a:buFont typeface="StarSymbol"/>
-              <a:buChar char=""/>
+              <a:buChar char="l"/>
             </a:pPr>
             <a:r>
               <a:rPr lang="en-US" sz="3200">
@@ -5655,9 +5666,12 @@
           </a:p>
           <a:p>
             <a:pPr lvl="1">
+              <a:lnSpc>
+                <a:spcPct val="100000"/>
+              </a:lnSpc>
               <a:buSzPct val="75000"/>
               <a:buFont typeface="StarSymbol"/>
-              <a:buChar char=""/>
+              <a:buChar char="l"/>
             </a:pPr>
             <a:r>
               <a:rPr lang="en-US" sz="2800">
@@ -5669,9 +5683,12 @@
           </a:p>
           <a:p>
             <a:pPr lvl="1">
+              <a:lnSpc>
+                <a:spcPct val="100000"/>
+              </a:lnSpc>
               <a:buSzPct val="75000"/>
               <a:buFont typeface="StarSymbol"/>
-              <a:buChar char=""/>
+              <a:buChar char="l"/>
             </a:pPr>
             <a:r>
               <a:rPr lang="en-US" sz="2800">
@@ -5734,23 +5751,31 @@
       </p:grpSpPr>
       <p:sp>
         <p:nvSpPr>
-          <p:cNvPr id="129" name="TextShape 1"/>
-          <p:cNvSpPr txBox="1"/>
+          <p:cNvPr id="129" name="CustomShape 1"/>
+          <p:cNvSpPr/>
           <p:nvPr/>
         </p:nvSpPr>
         <p:spPr>
           <a:xfrm>
             <a:off x="952560" y="444600"/>
-            <a:ext cx="11099160" cy="2158560"/>
-          </a:xfrm>
-          <a:prstGeom prst="rect">
-            <a:avLst/>
-          </a:prstGeom>
+            <a:ext cx="11098800" cy="2158200"/>
+          </a:xfrm>
+          <a:prstGeom prst="rect">
+            <a:avLst/>
+          </a:prstGeom>
+          <a:noFill/>
+          <a:ln>
+            <a:noFill/>
+          </a:ln>
         </p:spPr>
         <p:txBody>
           <a:bodyPr lIns="0" rIns="0" tIns="0" bIns="0" anchor="ctr"/>
           <a:p>
-            <a:pPr algn="ctr"/>
+            <a:pPr algn="ctr">
+              <a:lnSpc>
+                <a:spcPct val="100000"/>
+              </a:lnSpc>
+            </a:pPr>
             <a:r>
               <a:rPr lang="en-US" sz="4400">
                 <a:latin typeface="Arial"/>
@@ -5763,26 +5788,33 @@
       </p:sp>
       <p:sp>
         <p:nvSpPr>
-          <p:cNvPr id="130" name="TextShape 2"/>
-          <p:cNvSpPr txBox="1"/>
+          <p:cNvPr id="130" name="CustomShape 2"/>
+          <p:cNvSpPr/>
           <p:nvPr/>
         </p:nvSpPr>
         <p:spPr>
           <a:xfrm>
             <a:off x="952560" y="2603520"/>
-            <a:ext cx="11099160" cy="6285960"/>
-          </a:xfrm>
-          <a:prstGeom prst="rect">
-            <a:avLst/>
-          </a:prstGeom>
+            <a:ext cx="11098800" cy="6285600"/>
+          </a:xfrm>
+          <a:prstGeom prst="rect">
+            <a:avLst/>
+          </a:prstGeom>
+          <a:noFill/>
+          <a:ln>
+            <a:noFill/>
+          </a:ln>
         </p:spPr>
         <p:txBody>
           <a:bodyPr lIns="0" rIns="0" tIns="0" bIns="0"/>
           <a:p>
             <a:pPr>
+              <a:lnSpc>
+                <a:spcPct val="100000"/>
+              </a:lnSpc>
               <a:buSzPct val="45000"/>
               <a:buFont typeface="StarSymbol"/>
-              <a:buChar char=""/>
+              <a:buChar char="l"/>
             </a:pPr>
             <a:r>
               <a:rPr lang="en-US" sz="3200">
@@ -5794,9 +5826,12 @@
           </a:p>
           <a:p>
             <a:pPr lvl="1">
+              <a:lnSpc>
+                <a:spcPct val="100000"/>
+              </a:lnSpc>
               <a:buSzPct val="75000"/>
               <a:buFont typeface="StarSymbol"/>
-              <a:buChar char=""/>
+              <a:buChar char="l"/>
             </a:pPr>
             <a:r>
               <a:rPr lang="en-US" sz="2800">
@@ -5807,18 +5842,21 @@
             <a:endParaRPr/>
           </a:p>
           <a:p>
-            <a:pPr lvl="1">
-              <a:buSzPct val="75000"/>
-              <a:buFont typeface="StarSymbol"/>
-              <a:buChar char=""/>
+            <a:pPr>
+              <a:lnSpc>
+                <a:spcPct val="100000"/>
+              </a:lnSpc>
             </a:pPr>
             <a:endParaRPr/>
           </a:p>
           <a:p>
             <a:pPr>
+              <a:lnSpc>
+                <a:spcPct val="100000"/>
+              </a:lnSpc>
               <a:buSzPct val="45000"/>
               <a:buFont typeface="StarSymbol"/>
-              <a:buChar char=""/>
+              <a:buChar char="l"/>
             </a:pPr>
             <a:r>
               <a:rPr lang="en-US" sz="3200">
@@ -5830,9 +5868,12 @@
           </a:p>
           <a:p>
             <a:pPr lvl="1">
+              <a:lnSpc>
+                <a:spcPct val="100000"/>
+              </a:lnSpc>
               <a:buSzPct val="75000"/>
               <a:buFont typeface="StarSymbol"/>
-              <a:buChar char=""/>
+              <a:buChar char="l"/>
             </a:pPr>
             <a:r>
               <a:rPr lang="en-US" sz="2800">
@@ -5902,7 +5943,7 @@
         <p:spPr>
           <a:xfrm>
             <a:off x="952560" y="444600"/>
-            <a:ext cx="11099160" cy="2158200"/>
+            <a:ext cx="11098800" cy="2157840"/>
           </a:xfrm>
           <a:prstGeom prst="rect">
             <a:avLst/>
@@ -5940,7 +5981,7 @@
         <p:spPr>
           <a:xfrm>
             <a:off x="952560" y="2603520"/>
-            <a:ext cx="11099160" cy="6285960"/>
+            <a:ext cx="11098800" cy="6285600"/>
           </a:xfrm>
           <a:prstGeom prst="rect">
             <a:avLst/>
@@ -6204,23 +6245,31 @@
       </p:grpSpPr>
       <p:sp>
         <p:nvSpPr>
-          <p:cNvPr id="133" name="TextShape 1"/>
-          <p:cNvSpPr txBox="1"/>
+          <p:cNvPr id="133" name="CustomShape 1"/>
+          <p:cNvSpPr/>
           <p:nvPr/>
         </p:nvSpPr>
         <p:spPr>
           <a:xfrm>
             <a:off x="952560" y="444600"/>
-            <a:ext cx="11099160" cy="2158560"/>
-          </a:xfrm>
-          <a:prstGeom prst="rect">
-            <a:avLst/>
-          </a:prstGeom>
+            <a:ext cx="11098800" cy="2158200"/>
+          </a:xfrm>
+          <a:prstGeom prst="rect">
+            <a:avLst/>
+          </a:prstGeom>
+          <a:noFill/>
+          <a:ln>
+            <a:noFill/>
+          </a:ln>
         </p:spPr>
         <p:txBody>
           <a:bodyPr lIns="0" rIns="0" tIns="0" bIns="0" anchor="ctr"/>
           <a:p>
-            <a:pPr algn="ctr"/>
+            <a:pPr algn="ctr">
+              <a:lnSpc>
+                <a:spcPct val="100000"/>
+              </a:lnSpc>
+            </a:pPr>
             <a:r>
               <a:rPr lang="en-US" sz="4400">
                 <a:latin typeface="Arial"/>
@@ -6233,6 +6282,33 @@
       </p:sp>
     </p:spTree>
   </p:cSld>
+  <p:timing>
+    <p:tnLst>
+      <p:par>
+        <p:cTn id="25" dur="indefinite" restart="never" nodeType="tmRoot">
+          <p:childTnLst>
+            <p:seq>
+              <p:cTn id="26" nodeType="mainSeq"/>
+              <p:prevCondLst>
+                <p:cond delay="0" evt="onPrev">
+                  <p:tgtEl>
+                    <p:sldTgt/>
+                  </p:tgtEl>
+                </p:cond>
+              </p:prevCondLst>
+              <p:nextCondLst>
+                <p:cond delay="0" evt="onNext">
+                  <p:tgtEl>
+                    <p:sldTgt/>
+                  </p:tgtEl>
+                </p:cond>
+              </p:nextCondLst>
+            </p:seq>
+          </p:childTnLst>
+        </p:cTn>
+      </p:par>
+    </p:tnLst>
+  </p:timing>
 </p:sld>
 </file>
 
@@ -6262,7 +6338,7 @@
         <p:spPr>
           <a:xfrm>
             <a:off x="952560" y="444600"/>
-            <a:ext cx="11099160" cy="2158200"/>
+            <a:ext cx="11098800" cy="2157840"/>
           </a:xfrm>
           <a:prstGeom prst="rect">
             <a:avLst/>
@@ -6300,7 +6376,7 @@
         <p:spPr>
           <a:xfrm>
             <a:off x="952560" y="2603520"/>
-            <a:ext cx="11099160" cy="6285960"/>
+            <a:ext cx="11098800" cy="6285600"/>
           </a:xfrm>
           <a:prstGeom prst="rect">
             <a:avLst/>
@@ -6362,7 +6438,7 @@
                 <a:latin typeface="Helvetica Light"/>
                 <a:ea typeface="Helvetica Light"/>
               </a:rPr>
-              <a:t>Network simulation</a:t>
+              <a:t>Why?</a:t>
             </a:r>
             <a:endParaRPr/>
           </a:p>
@@ -6380,25 +6456,7 @@
                 <a:latin typeface="Helvetica Light"/>
                 <a:ea typeface="Helvetica Light"/>
               </a:rPr>
-              <a:t>Why?</a:t>
-            </a:r>
-            <a:endParaRPr/>
-          </a:p>
-          <a:p>
-            <a:pPr>
-              <a:lnSpc>
-                <a:spcPct val="100000"/>
-              </a:lnSpc>
-              <a:buSzPct val="75000"/>
-              <a:buFont typeface="StarSymbol"/>
-              <a:buChar char="l"/>
-            </a:pPr>
-            <a:r>
-              <a:rPr lang="en-US" sz="3600">
-                <a:latin typeface="Helvetica Light"/>
-                <a:ea typeface="Helvetica Light"/>
-              </a:rPr>
-              <a:t>Discussion</a:t>
+              <a:t>Final thoughts</a:t>
             </a:r>
             <a:endParaRPr/>
           </a:p>
@@ -6470,7 +6528,7 @@
         <p:spPr>
           <a:xfrm>
             <a:off x="952560" y="444600"/>
-            <a:ext cx="11099160" cy="2158200"/>
+            <a:ext cx="11098800" cy="2157840"/>
           </a:xfrm>
           <a:prstGeom prst="rect">
             <a:avLst/>
@@ -6508,7 +6566,7 @@
         <p:spPr>
           <a:xfrm>
             <a:off x="952560" y="2603520"/>
-            <a:ext cx="11099160" cy="6285960"/>
+            <a:ext cx="11098800" cy="6285600"/>
           </a:xfrm>
           <a:prstGeom prst="rect">
             <a:avLst/>
@@ -6601,13 +6659,6 @@
               <a:buFont typeface="StarSymbol"/>
               <a:buChar char="l"/>
             </a:pPr>
-            <a:r>
-              <a:rPr lang="en-US" sz="3600">
-                <a:latin typeface="Helvetica Light"/>
-                <a:ea typeface="Helvetica Light"/>
-              </a:rPr>
-              <a:t>Focus on documents</a:t>
-            </a:r>
             <a:endParaRPr/>
           </a:p>
         </p:txBody>
@@ -6670,7 +6721,7 @@
         <p:spPr>
           <a:xfrm>
             <a:off x="952560" y="444600"/>
-            <a:ext cx="11099160" cy="2158200"/>
+            <a:ext cx="11098800" cy="2157840"/>
           </a:xfrm>
           <a:prstGeom prst="rect">
             <a:avLst/>
@@ -6708,7 +6759,7 @@
         <p:spPr>
           <a:xfrm>
             <a:off x="952560" y="2603520"/>
-            <a:ext cx="11099160" cy="6285960"/>
+            <a:ext cx="11098800" cy="6285600"/>
           </a:xfrm>
           <a:prstGeom prst="rect">
             <a:avLst/>
@@ -6734,6 +6785,23 @@
                 <a:latin typeface="Helvetica Light"/>
               </a:rPr>
               <a:t>JSON-documents of varying size 200~1MB</a:t>
+            </a:r>
+            <a:endParaRPr/>
+          </a:p>
+          <a:p>
+            <a:pPr>
+              <a:lnSpc>
+                <a:spcPct val="100000"/>
+              </a:lnSpc>
+              <a:buSzPct val="45000"/>
+              <a:buFont typeface="StarSymbol"/>
+              <a:buChar char="l"/>
+            </a:pPr>
+            <a:r>
+              <a:rPr lang="en-US" sz="3600">
+                <a:latin typeface="Helvetica Light"/>
+              </a:rPr>
+              <a:t>Lz4 HC</a:t>
             </a:r>
             <a:endParaRPr/>
           </a:p>
@@ -6848,7 +6916,7 @@
         <p:spPr>
           <a:xfrm>
             <a:off x="1270080" y="1638360"/>
-            <a:ext cx="10464120" cy="3301200"/>
+            <a:ext cx="10463760" cy="3300840"/>
           </a:xfrm>
           <a:prstGeom prst="rect">
             <a:avLst/>
@@ -6861,23 +6929,31 @@
       </p:sp>
       <p:sp>
         <p:nvSpPr>
-          <p:cNvPr id="117" name="TextShape 2"/>
-          <p:cNvSpPr txBox="1"/>
+          <p:cNvPr id="117" name="CustomShape 2"/>
+          <p:cNvSpPr/>
           <p:nvPr/>
         </p:nvSpPr>
         <p:spPr>
           <a:xfrm>
             <a:off x="952560" y="444600"/>
-            <a:ext cx="11099160" cy="2158560"/>
-          </a:xfrm>
-          <a:prstGeom prst="rect">
-            <a:avLst/>
-          </a:prstGeom>
+            <a:ext cx="11098800" cy="2158200"/>
+          </a:xfrm>
+          <a:prstGeom prst="rect">
+            <a:avLst/>
+          </a:prstGeom>
+          <a:noFill/>
+          <a:ln>
+            <a:noFill/>
+          </a:ln>
         </p:spPr>
         <p:txBody>
           <a:bodyPr lIns="0" rIns="0" tIns="0" bIns="0" anchor="ctr"/>
           <a:p>
-            <a:pPr algn="ctr"/>
+            <a:pPr algn="ctr">
+              <a:lnSpc>
+                <a:spcPct val="100000"/>
+              </a:lnSpc>
+            </a:pPr>
             <a:r>
               <a:rPr lang="en-US" sz="4400">
                 <a:latin typeface="Arial"/>
@@ -6896,7 +6972,7 @@
         </p:nvGraphicFramePr>
         <p:xfrm>
           <a:off x="731520" y="2286000"/>
-          <a:ext cx="11320200" cy="6949440"/>
+          <a:ext cx="11319840" cy="6949080"/>
         </p:xfrm>
         <a:graphic>
           <a:graphicData uri="http://schemas.openxmlformats.org/drawingml/2006/chart">
@@ -6955,23 +7031,31 @@
       </p:grpSpPr>
       <p:sp>
         <p:nvSpPr>
-          <p:cNvPr id="119" name="TextShape 1"/>
-          <p:cNvSpPr txBox="1"/>
+          <p:cNvPr id="119" name="CustomShape 1"/>
+          <p:cNvSpPr/>
           <p:nvPr/>
         </p:nvSpPr>
         <p:spPr>
           <a:xfrm>
             <a:off x="952560" y="444600"/>
-            <a:ext cx="11099160" cy="2158560"/>
-          </a:xfrm>
-          <a:prstGeom prst="rect">
-            <a:avLst/>
-          </a:prstGeom>
+            <a:ext cx="11098800" cy="2158200"/>
+          </a:xfrm>
+          <a:prstGeom prst="rect">
+            <a:avLst/>
+          </a:prstGeom>
+          <a:noFill/>
+          <a:ln>
+            <a:noFill/>
+          </a:ln>
         </p:spPr>
         <p:txBody>
           <a:bodyPr lIns="0" rIns="0" tIns="0" bIns="0" anchor="ctr"/>
           <a:p>
-            <a:pPr algn="ctr"/>
+            <a:pPr algn="ctr">
+              <a:lnSpc>
+                <a:spcPct val="100000"/>
+              </a:lnSpc>
+            </a:pPr>
             <a:r>
               <a:rPr lang="en-US" sz="4400">
                 <a:latin typeface="Arial"/>
@@ -6990,7 +7074,7 @@
         </p:nvGraphicFramePr>
         <p:xfrm>
           <a:off x="1371600" y="2377440"/>
-          <a:ext cx="10424160" cy="6357960"/>
+          <a:ext cx="10423800" cy="6357600"/>
         </p:xfrm>
         <a:graphic>
           <a:graphicData uri="http://schemas.openxmlformats.org/drawingml/2006/chart">
@@ -7049,23 +7133,31 @@
       </p:grpSpPr>
       <p:sp>
         <p:nvSpPr>
-          <p:cNvPr id="121" name="TextShape 1"/>
-          <p:cNvSpPr txBox="1"/>
+          <p:cNvPr id="121" name="CustomShape 1"/>
+          <p:cNvSpPr/>
           <p:nvPr/>
         </p:nvSpPr>
         <p:spPr>
           <a:xfrm>
             <a:off x="952560" y="444600"/>
-            <a:ext cx="11099160" cy="2158560"/>
-          </a:xfrm>
-          <a:prstGeom prst="rect">
-            <a:avLst/>
-          </a:prstGeom>
+            <a:ext cx="11098800" cy="2158200"/>
+          </a:xfrm>
+          <a:prstGeom prst="rect">
+            <a:avLst/>
+          </a:prstGeom>
+          <a:noFill/>
+          <a:ln>
+            <a:noFill/>
+          </a:ln>
         </p:spPr>
         <p:txBody>
           <a:bodyPr lIns="0" rIns="0" tIns="0" bIns="0" anchor="ctr"/>
           <a:p>
-            <a:pPr algn="ctr"/>
+            <a:pPr algn="ctr">
+              <a:lnSpc>
+                <a:spcPct val="100000"/>
+              </a:lnSpc>
+            </a:pPr>
             <a:r>
               <a:rPr lang="en-US" sz="4400">
                 <a:latin typeface="Arial"/>
@@ -7084,7 +7176,7 @@
         </p:nvGraphicFramePr>
         <p:xfrm>
           <a:off x="914400" y="2603160"/>
-          <a:ext cx="10881360" cy="6449400"/>
+          <a:ext cx="10881000" cy="6449040"/>
         </p:xfrm>
         <a:graphic>
           <a:graphicData uri="http://schemas.openxmlformats.org/drawingml/2006/chart">
@@ -7143,23 +7235,31 @@
       </p:grpSpPr>
       <p:sp>
         <p:nvSpPr>
-          <p:cNvPr id="123" name="TextShape 1"/>
-          <p:cNvSpPr txBox="1"/>
+          <p:cNvPr id="123" name="CustomShape 1"/>
+          <p:cNvSpPr/>
           <p:nvPr/>
         </p:nvSpPr>
         <p:spPr>
           <a:xfrm>
             <a:off x="952560" y="444600"/>
-            <a:ext cx="11099160" cy="2158560"/>
-          </a:xfrm>
-          <a:prstGeom prst="rect">
-            <a:avLst/>
-          </a:prstGeom>
+            <a:ext cx="11098800" cy="2158200"/>
+          </a:xfrm>
+          <a:prstGeom prst="rect">
+            <a:avLst/>
+          </a:prstGeom>
+          <a:noFill/>
+          <a:ln>
+            <a:noFill/>
+          </a:ln>
         </p:spPr>
         <p:txBody>
           <a:bodyPr lIns="0" rIns="0" tIns="0" bIns="0" anchor="ctr"/>
           <a:p>
-            <a:pPr algn="ctr"/>
+            <a:pPr algn="ctr">
+              <a:lnSpc>
+                <a:spcPct val="100000"/>
+              </a:lnSpc>
+            </a:pPr>
             <a:r>
               <a:rPr lang="en-US" sz="4400">
                 <a:latin typeface="Arial"/>
@@ -7178,7 +7278,7 @@
         </p:nvGraphicFramePr>
         <p:xfrm>
           <a:off x="731520" y="2011680"/>
-          <a:ext cx="11704320" cy="7040880"/>
+          <a:ext cx="11703960" cy="7040520"/>
         </p:xfrm>
         <a:graphic>
           <a:graphicData uri="http://schemas.openxmlformats.org/drawingml/2006/chart">
@@ -7237,23 +7337,31 @@
       </p:grpSpPr>
       <p:sp>
         <p:nvSpPr>
-          <p:cNvPr id="125" name="TextShape 1"/>
-          <p:cNvSpPr txBox="1"/>
+          <p:cNvPr id="125" name="CustomShape 1"/>
+          <p:cNvSpPr/>
           <p:nvPr/>
         </p:nvSpPr>
         <p:spPr>
           <a:xfrm>
             <a:off x="952560" y="444600"/>
-            <a:ext cx="11099160" cy="2158560"/>
-          </a:xfrm>
-          <a:prstGeom prst="rect">
-            <a:avLst/>
-          </a:prstGeom>
+            <a:ext cx="11098800" cy="2158200"/>
+          </a:xfrm>
+          <a:prstGeom prst="rect">
+            <a:avLst/>
+          </a:prstGeom>
+          <a:noFill/>
+          <a:ln>
+            <a:noFill/>
+          </a:ln>
         </p:spPr>
         <p:txBody>
           <a:bodyPr lIns="0" rIns="0" tIns="0" bIns="0" anchor="ctr"/>
           <a:p>
-            <a:pPr algn="ctr"/>
+            <a:pPr algn="ctr">
+              <a:lnSpc>
+                <a:spcPct val="100000"/>
+              </a:lnSpc>
+            </a:pPr>
             <a:r>
               <a:rPr lang="en-US" sz="4400">
                 <a:latin typeface="Arial"/>
@@ -7272,7 +7380,7 @@
         </p:nvGraphicFramePr>
         <p:xfrm>
           <a:off x="1097280" y="2286000"/>
-          <a:ext cx="10954440" cy="6675120"/>
+          <a:ext cx="10954080" cy="6674760"/>
         </p:xfrm>
         <a:graphic>
           <a:graphicData uri="http://schemas.openxmlformats.org/drawingml/2006/chart">
